--- a/Reports/Guided Capstone Project Presentation (2022.8.28).pptx
+++ b/Reports/Guided Capstone Project Presentation (2022.8.28).pptx
@@ -6417,7 +6417,7 @@
           <a:p>
             <a:fld id="{E754BC39-9BD4-4BB3-BB26-5B2B5AEDDA50}" type="datetimeFigureOut">
               <a:rPr lang="en-US" smtClean="0"/>
-              <a:t>8/28/2022</a:t>
+              <a:t>5/29/2023</a:t>
             </a:fld>
             <a:endParaRPr lang="en-US"/>
           </a:p>
@@ -14557,7 +14557,7 @@
           <a:p>
             <a:r>
               <a:rPr lang="en-US" dirty="0"/>
-              <a:t>Recommendation &amp; key findings</a:t>
+              <a:t>Key findings</a:t>
             </a:r>
           </a:p>
         </p:txBody>
@@ -15403,7 +15403,7 @@
           <p:nvPr/>
         </p:nvPicPr>
         <p:blipFill>
-          <a:blip r:embed="rId3">
+          <a:blip r:embed="rId2">
             <a:extLst>
               <a:ext uri="{28A0092B-C50C-407E-A947-70E740481C1C}">
                 <a14:useLocalDpi xmlns:a14="http://schemas.microsoft.com/office/drawing/2010/main" val="0"/>
@@ -15444,7 +15444,7 @@
           <p:nvPr/>
         </p:nvPicPr>
         <p:blipFill>
-          <a:blip r:embed="rId4">
+          <a:blip r:embed="rId3">
             <a:extLst>
               <a:ext uri="{28A0092B-C50C-407E-A947-70E740481C1C}">
                 <a14:useLocalDpi xmlns:a14="http://schemas.microsoft.com/office/drawing/2010/main" val="0"/>
@@ -15485,7 +15485,7 @@
           <p:nvPr/>
         </p:nvPicPr>
         <p:blipFill>
-          <a:blip r:embed="rId5">
+          <a:blip r:embed="rId4">
             <a:extLst>
               <a:ext uri="{28A0092B-C50C-407E-A947-70E740481C1C}">
                 <a14:useLocalDpi xmlns:a14="http://schemas.microsoft.com/office/drawing/2010/main" val="0"/>
@@ -15526,7 +15526,7 @@
           <p:nvPr/>
         </p:nvPicPr>
         <p:blipFill>
-          <a:blip r:embed="rId6">
+          <a:blip r:embed="rId5">
             <a:extLst>
               <a:ext uri="{28A0092B-C50C-407E-A947-70E740481C1C}">
                 <a14:useLocalDpi xmlns:a14="http://schemas.microsoft.com/office/drawing/2010/main" val="0"/>
@@ -15567,7 +15567,7 @@
           <p:nvPr/>
         </p:nvPicPr>
         <p:blipFill>
-          <a:blip r:embed="rId7">
+          <a:blip r:embed="rId6">
             <a:extLst>
               <a:ext uri="{28A0092B-C50C-407E-A947-70E740481C1C}">
                 <a14:useLocalDpi xmlns:a14="http://schemas.microsoft.com/office/drawing/2010/main" val="0"/>
@@ -15636,6 +15636,288 @@
           </a:p>
         </p:txBody>
       </p:sp>
+      <p:pic>
+        <p:nvPicPr>
+          <p:cNvPr id="3078" name="Picture 6">
+            <a:extLst>
+              <a:ext uri="{FF2B5EF4-FFF2-40B4-BE49-F238E27FC236}">
+                <a16:creationId xmlns:a16="http://schemas.microsoft.com/office/drawing/2014/main" id="{C3F87FA2-0322-60B5-837D-D6F61B6A75E7}"/>
+              </a:ext>
+            </a:extLst>
+          </p:cNvPr>
+          <p:cNvPicPr>
+            <a:picLocks noChangeAspect="1" noChangeArrowheads="1"/>
+          </p:cNvPicPr>
+          <p:nvPr/>
+        </p:nvPicPr>
+        <p:blipFill>
+          <a:blip r:embed="rId7">
+            <a:extLst>
+              <a:ext uri="{28A0092B-C50C-407E-A947-70E740481C1C}">
+                <a14:useLocalDpi xmlns:a14="http://schemas.microsoft.com/office/drawing/2010/main" val="0"/>
+              </a:ext>
+            </a:extLst>
+          </a:blip>
+          <a:srcRect/>
+          <a:stretch>
+            <a:fillRect/>
+          </a:stretch>
+        </p:blipFill>
+        <p:spPr bwMode="auto">
+          <a:xfrm>
+            <a:off x="0" y="0"/>
+            <a:ext cx="1958975" cy="1085850"/>
+          </a:xfrm>
+          <a:prstGeom prst="rect">
+            <a:avLst/>
+          </a:prstGeom>
+          <a:noFill/>
+          <a:extLst>
+            <a:ext uri="{909E8E84-426E-40DD-AFC4-6F175D3DCCD1}">
+              <a14:hiddenFill xmlns:a14="http://schemas.microsoft.com/office/drawing/2010/main">
+                <a:solidFill>
+                  <a:srgbClr val="FFFFFF"/>
+                </a:solidFill>
+              </a14:hiddenFill>
+            </a:ext>
+          </a:extLst>
+        </p:spPr>
+      </p:pic>
+      <p:pic>
+        <p:nvPicPr>
+          <p:cNvPr id="3077" name="Picture 18">
+            <a:extLst>
+              <a:ext uri="{FF2B5EF4-FFF2-40B4-BE49-F238E27FC236}">
+                <a16:creationId xmlns:a16="http://schemas.microsoft.com/office/drawing/2014/main" id="{6896F2A8-E1E9-524D-301B-01E0FB4A9F20}"/>
+              </a:ext>
+            </a:extLst>
+          </p:cNvPr>
+          <p:cNvPicPr>
+            <a:picLocks noChangeAspect="1" noChangeArrowheads="1"/>
+          </p:cNvPicPr>
+          <p:nvPr/>
+        </p:nvPicPr>
+        <p:blipFill>
+          <a:blip r:embed="rId2">
+            <a:extLst>
+              <a:ext uri="{28A0092B-C50C-407E-A947-70E740481C1C}">
+                <a14:useLocalDpi xmlns:a14="http://schemas.microsoft.com/office/drawing/2010/main" val="0"/>
+              </a:ext>
+            </a:extLst>
+          </a:blip>
+          <a:srcRect/>
+          <a:stretch>
+            <a:fillRect/>
+          </a:stretch>
+        </p:blipFill>
+        <p:spPr bwMode="auto">
+          <a:xfrm>
+            <a:off x="0" y="0"/>
+            <a:ext cx="1993900" cy="1095375"/>
+          </a:xfrm>
+          <a:prstGeom prst="rect">
+            <a:avLst/>
+          </a:prstGeom>
+          <a:noFill/>
+          <a:extLst>
+            <a:ext uri="{909E8E84-426E-40DD-AFC4-6F175D3DCCD1}">
+              <a14:hiddenFill xmlns:a14="http://schemas.microsoft.com/office/drawing/2010/main">
+                <a:solidFill>
+                  <a:srgbClr val="FFFFFF"/>
+                </a:solidFill>
+              </a14:hiddenFill>
+            </a:ext>
+          </a:extLst>
+        </p:spPr>
+      </p:pic>
+      <p:pic>
+        <p:nvPicPr>
+          <p:cNvPr id="3076" name="Picture 20">
+            <a:extLst>
+              <a:ext uri="{FF2B5EF4-FFF2-40B4-BE49-F238E27FC236}">
+                <a16:creationId xmlns:a16="http://schemas.microsoft.com/office/drawing/2014/main" id="{EF909E02-8DD5-9902-AC87-D019C1DEEFC6}"/>
+              </a:ext>
+            </a:extLst>
+          </p:cNvPr>
+          <p:cNvPicPr>
+            <a:picLocks noChangeAspect="1" noChangeArrowheads="1"/>
+          </p:cNvPicPr>
+          <p:nvPr/>
+        </p:nvPicPr>
+        <p:blipFill>
+          <a:blip r:embed="rId3">
+            <a:extLst>
+              <a:ext uri="{28A0092B-C50C-407E-A947-70E740481C1C}">
+                <a14:useLocalDpi xmlns:a14="http://schemas.microsoft.com/office/drawing/2010/main" val="0"/>
+              </a:ext>
+            </a:extLst>
+          </a:blip>
+          <a:srcRect/>
+          <a:stretch>
+            <a:fillRect/>
+          </a:stretch>
+        </p:blipFill>
+        <p:spPr bwMode="auto">
+          <a:xfrm>
+            <a:off x="0" y="0"/>
+            <a:ext cx="2012950" cy="1095375"/>
+          </a:xfrm>
+          <a:prstGeom prst="rect">
+            <a:avLst/>
+          </a:prstGeom>
+          <a:noFill/>
+          <a:extLst>
+            <a:ext uri="{909E8E84-426E-40DD-AFC4-6F175D3DCCD1}">
+              <a14:hiddenFill xmlns:a14="http://schemas.microsoft.com/office/drawing/2010/main">
+                <a:solidFill>
+                  <a:srgbClr val="FFFFFF"/>
+                </a:solidFill>
+              </a14:hiddenFill>
+            </a:ext>
+          </a:extLst>
+        </p:spPr>
+      </p:pic>
+      <p:pic>
+        <p:nvPicPr>
+          <p:cNvPr id="3075" name="Picture 21">
+            <a:extLst>
+              <a:ext uri="{FF2B5EF4-FFF2-40B4-BE49-F238E27FC236}">
+                <a16:creationId xmlns:a16="http://schemas.microsoft.com/office/drawing/2014/main" id="{CCB25E41-29CA-77F9-3FE6-94A317CC321B}"/>
+              </a:ext>
+            </a:extLst>
+          </p:cNvPr>
+          <p:cNvPicPr>
+            <a:picLocks noChangeAspect="1" noChangeArrowheads="1"/>
+          </p:cNvPicPr>
+          <p:nvPr/>
+        </p:nvPicPr>
+        <p:blipFill>
+          <a:blip r:embed="rId4">
+            <a:extLst>
+              <a:ext uri="{28A0092B-C50C-407E-A947-70E740481C1C}">
+                <a14:useLocalDpi xmlns:a14="http://schemas.microsoft.com/office/drawing/2010/main" val="0"/>
+              </a:ext>
+            </a:extLst>
+          </a:blip>
+          <a:srcRect/>
+          <a:stretch>
+            <a:fillRect/>
+          </a:stretch>
+        </p:blipFill>
+        <p:spPr bwMode="auto">
+          <a:xfrm>
+            <a:off x="0" y="0"/>
+            <a:ext cx="2012950" cy="1095375"/>
+          </a:xfrm>
+          <a:prstGeom prst="rect">
+            <a:avLst/>
+          </a:prstGeom>
+          <a:noFill/>
+          <a:extLst>
+            <a:ext uri="{909E8E84-426E-40DD-AFC4-6F175D3DCCD1}">
+              <a14:hiddenFill xmlns:a14="http://schemas.microsoft.com/office/drawing/2010/main">
+                <a:solidFill>
+                  <a:srgbClr val="FFFFFF"/>
+                </a:solidFill>
+              </a14:hiddenFill>
+            </a:ext>
+          </a:extLst>
+        </p:spPr>
+      </p:pic>
+      <p:pic>
+        <p:nvPicPr>
+          <p:cNvPr id="3074" name="Picture 19">
+            <a:extLst>
+              <a:ext uri="{FF2B5EF4-FFF2-40B4-BE49-F238E27FC236}">
+                <a16:creationId xmlns:a16="http://schemas.microsoft.com/office/drawing/2014/main" id="{65630B9D-F081-A2BE-207E-A7DB5DCBEE7E}"/>
+              </a:ext>
+            </a:extLst>
+          </p:cNvPr>
+          <p:cNvPicPr>
+            <a:picLocks noChangeAspect="1" noChangeArrowheads="1"/>
+          </p:cNvPicPr>
+          <p:nvPr/>
+        </p:nvPicPr>
+        <p:blipFill>
+          <a:blip r:embed="rId5">
+            <a:extLst>
+              <a:ext uri="{28A0092B-C50C-407E-A947-70E740481C1C}">
+                <a14:useLocalDpi xmlns:a14="http://schemas.microsoft.com/office/drawing/2010/main" val="0"/>
+              </a:ext>
+            </a:extLst>
+          </a:blip>
+          <a:srcRect/>
+          <a:stretch>
+            <a:fillRect/>
+          </a:stretch>
+        </p:blipFill>
+        <p:spPr bwMode="auto">
+          <a:xfrm>
+            <a:off x="0" y="0"/>
+            <a:ext cx="1993900" cy="1095375"/>
+          </a:xfrm>
+          <a:prstGeom prst="rect">
+            <a:avLst/>
+          </a:prstGeom>
+          <a:noFill/>
+          <a:extLst>
+            <a:ext uri="{909E8E84-426E-40DD-AFC4-6F175D3DCCD1}">
+              <a14:hiddenFill xmlns:a14="http://schemas.microsoft.com/office/drawing/2010/main">
+                <a:solidFill>
+                  <a:srgbClr val="FFFFFF"/>
+                </a:solidFill>
+              </a14:hiddenFill>
+            </a:ext>
+          </a:extLst>
+        </p:spPr>
+      </p:pic>
+      <p:pic>
+        <p:nvPicPr>
+          <p:cNvPr id="3073" name="Picture 17">
+            <a:extLst>
+              <a:ext uri="{FF2B5EF4-FFF2-40B4-BE49-F238E27FC236}">
+                <a16:creationId xmlns:a16="http://schemas.microsoft.com/office/drawing/2014/main" id="{FB300D38-3ACA-5C69-A0F4-E98574A5A1E3}"/>
+              </a:ext>
+            </a:extLst>
+          </p:cNvPr>
+          <p:cNvPicPr>
+            <a:picLocks noChangeAspect="1" noChangeArrowheads="1"/>
+          </p:cNvPicPr>
+          <p:nvPr/>
+        </p:nvPicPr>
+        <p:blipFill>
+          <a:blip r:embed="rId6">
+            <a:extLst>
+              <a:ext uri="{28A0092B-C50C-407E-A947-70E740481C1C}">
+                <a14:useLocalDpi xmlns:a14="http://schemas.microsoft.com/office/drawing/2010/main" val="0"/>
+              </a:ext>
+            </a:extLst>
+          </a:blip>
+          <a:srcRect/>
+          <a:stretch>
+            <a:fillRect/>
+          </a:stretch>
+        </p:blipFill>
+        <p:spPr bwMode="auto">
+          <a:xfrm>
+            <a:off x="0" y="0"/>
+            <a:ext cx="1993900" cy="1095375"/>
+          </a:xfrm>
+          <a:prstGeom prst="rect">
+            <a:avLst/>
+          </a:prstGeom>
+          <a:noFill/>
+          <a:extLst>
+            <a:ext uri="{909E8E84-426E-40DD-AFC4-6F175D3DCCD1}">
+              <a14:hiddenFill xmlns:a14="http://schemas.microsoft.com/office/drawing/2010/main">
+                <a:solidFill>
+                  <a:srgbClr val="FFFFFF"/>
+                </a:solidFill>
+              </a14:hiddenFill>
+            </a:ext>
+          </a:extLst>
+        </p:spPr>
+      </p:pic>
     </p:spTree>
     <p:extLst>
       <p:ext uri="{BB962C8B-B14F-4D97-AF65-F5344CB8AC3E}">
